--- a/Presentation/Docker presentation chetan.pptx
+++ b/Presentation/Docker presentation chetan.pptx
@@ -347,7 +347,7 @@
           <a:p>
             <a:fld id="{7F057277-C0CD-4B99-9FB7-0507813FA6D1}" type="datetimeFigureOut">
               <a:rPr lang="en-US" smtClean="0"/>
-              <a:t>11/21/2022</a:t>
+              <a:t>11/22/2022</a:t>
             </a:fld>
             <a:endParaRPr lang="en-US"/>
           </a:p>
@@ -555,7 +555,7 @@
           <a:p>
             <a:fld id="{7F057277-C0CD-4B99-9FB7-0507813FA6D1}" type="datetimeFigureOut">
               <a:rPr lang="en-US" smtClean="0"/>
-              <a:t>11/21/2022</a:t>
+              <a:t>11/22/2022</a:t>
             </a:fld>
             <a:endParaRPr lang="en-US"/>
           </a:p>
@@ -811,7 +811,7 @@
           <a:p>
             <a:fld id="{7F057277-C0CD-4B99-9FB7-0507813FA6D1}" type="datetimeFigureOut">
               <a:rPr lang="en-US" smtClean="0"/>
-              <a:t>11/21/2022</a:t>
+              <a:t>11/22/2022</a:t>
             </a:fld>
             <a:endParaRPr lang="en-US"/>
           </a:p>
@@ -985,7 +985,7 @@
           <a:p>
             <a:fld id="{7F057277-C0CD-4B99-9FB7-0507813FA6D1}" type="datetimeFigureOut">
               <a:rPr lang="en-US" smtClean="0"/>
-              <a:t>11/21/2022</a:t>
+              <a:t>11/22/2022</a:t>
             </a:fld>
             <a:endParaRPr lang="en-US"/>
           </a:p>
@@ -1328,7 +1328,7 @@
           <a:p>
             <a:fld id="{7F057277-C0CD-4B99-9FB7-0507813FA6D1}" type="datetimeFigureOut">
               <a:rPr lang="en-US" smtClean="0"/>
-              <a:t>11/21/2022</a:t>
+              <a:t>11/22/2022</a:t>
             </a:fld>
             <a:endParaRPr lang="en-US"/>
           </a:p>
@@ -1603,7 +1603,7 @@
           <a:p>
             <a:fld id="{7F057277-C0CD-4B99-9FB7-0507813FA6D1}" type="datetimeFigureOut">
               <a:rPr lang="en-US" smtClean="0"/>
-              <a:t>11/21/2022</a:t>
+              <a:t>11/22/2022</a:t>
             </a:fld>
             <a:endParaRPr lang="en-US"/>
           </a:p>
@@ -1982,7 +1982,7 @@
           <a:p>
             <a:fld id="{7F057277-C0CD-4B99-9FB7-0507813FA6D1}" type="datetimeFigureOut">
               <a:rPr lang="en-US" smtClean="0"/>
-              <a:t>11/21/2022</a:t>
+              <a:t>11/22/2022</a:t>
             </a:fld>
             <a:endParaRPr lang="en-US"/>
           </a:p>
@@ -2100,7 +2100,7 @@
           <a:p>
             <a:fld id="{7F057277-C0CD-4B99-9FB7-0507813FA6D1}" type="datetimeFigureOut">
               <a:rPr lang="en-US" smtClean="0"/>
-              <a:t>11/21/2022</a:t>
+              <a:t>11/22/2022</a:t>
             </a:fld>
             <a:endParaRPr lang="en-US"/>
           </a:p>
@@ -2271,7 +2271,7 @@
           <a:p>
             <a:fld id="{7F057277-C0CD-4B99-9FB7-0507813FA6D1}" type="datetimeFigureOut">
               <a:rPr lang="en-US" smtClean="0"/>
-              <a:t>11/21/2022</a:t>
+              <a:t>11/22/2022</a:t>
             </a:fld>
             <a:endParaRPr lang="en-US"/>
           </a:p>
@@ -2625,7 +2625,7 @@
           <a:p>
             <a:fld id="{7F057277-C0CD-4B99-9FB7-0507813FA6D1}" type="datetimeFigureOut">
               <a:rPr lang="en-US" smtClean="0"/>
-              <a:t>11/21/2022</a:t>
+              <a:t>11/22/2022</a:t>
             </a:fld>
             <a:endParaRPr lang="en-US"/>
           </a:p>
@@ -3007,7 +3007,7 @@
           <a:p>
             <a:fld id="{7F057277-C0CD-4B99-9FB7-0507813FA6D1}" type="datetimeFigureOut">
               <a:rPr lang="en-US" smtClean="0"/>
-              <a:t>11/21/2022</a:t>
+              <a:t>11/22/2022</a:t>
             </a:fld>
             <a:endParaRPr lang="en-US"/>
           </a:p>
@@ -3294,7 +3294,7 @@
           <a:p>
             <a:fld id="{7F057277-C0CD-4B99-9FB7-0507813FA6D1}" type="datetimeFigureOut">
               <a:rPr lang="en-US" smtClean="0"/>
-              <a:t>11/21/2022</a:t>
+              <a:t>11/22/2022</a:t>
             </a:fld>
             <a:endParaRPr lang="en-US"/>
           </a:p>
@@ -3937,7 +3937,15 @@
           <a:p>
             <a:r>
               <a:rPr lang="en-US" dirty="0"/>
-              <a:t>Pictorial presentation		</a:t>
+              <a:t>Pictorial presentation of </a:t>
+            </a:r>
+            <a:r>
+              <a:rPr lang="en-US" dirty="0" err="1"/>
+              <a:t>liniking</a:t>
+            </a:r>
+            <a:r>
+              <a:rPr lang="en-US" dirty="0"/>
+              <a:t> 2 container		</a:t>
             </a:r>
           </a:p>
         </p:txBody>

--- a/Presentation/Docker presentation chetan.pptx
+++ b/Presentation/Docker presentation chetan.pptx
@@ -14,7 +14,6 @@
     <p:sldId id="262" r:id="rId8"/>
     <p:sldId id="263" r:id="rId9"/>
     <p:sldId id="265" r:id="rId10"/>
-    <p:sldId id="264" r:id="rId11"/>
   </p:sldIdLst>
   <p:sldSz cx="12192000" cy="6858000"/>
   <p:notesSz cx="6858000" cy="9144000"/>
@@ -3897,102 +3896,6 @@
 </p:sld>
 </file>
 
-<file path=ppt/slides/slide10.xml><?xml version="1.0" encoding="utf-8"?>
-<p:sld xmlns:a="http://schemas.openxmlformats.org/drawingml/2006/main" xmlns:r="http://schemas.openxmlformats.org/officeDocument/2006/relationships" xmlns:p="http://schemas.openxmlformats.org/presentationml/2006/main">
-  <p:cSld>
-    <p:spTree>
-      <p:nvGrpSpPr>
-        <p:cNvPr id="1" name=""/>
-        <p:cNvGrpSpPr/>
-        <p:nvPr/>
-      </p:nvGrpSpPr>
-      <p:grpSpPr>
-        <a:xfrm>
-          <a:off x="0" y="0"/>
-          <a:ext cx="0" cy="0"/>
-          <a:chOff x="0" y="0"/>
-          <a:chExt cx="0" cy="0"/>
-        </a:xfrm>
-      </p:grpSpPr>
-      <p:sp>
-        <p:nvSpPr>
-          <p:cNvPr id="2" name="Title 1">
-            <a:extLst>
-              <a:ext uri="{FF2B5EF4-FFF2-40B4-BE49-F238E27FC236}">
-                <a16:creationId xmlns:a16="http://schemas.microsoft.com/office/drawing/2014/main" id="{77396C6A-1F3D-88A8-B282-45E36571ADDA}"/>
-              </a:ext>
-            </a:extLst>
-          </p:cNvPr>
-          <p:cNvSpPr>
-            <a:spLocks noGrp="1"/>
-          </p:cNvSpPr>
-          <p:nvPr>
-            <p:ph type="title"/>
-          </p:nvPr>
-        </p:nvSpPr>
-        <p:spPr/>
-        <p:txBody>
-          <a:bodyPr/>
-          <a:lstStyle/>
-          <a:p>
-            <a:r>
-              <a:rPr lang="en-US" dirty="0"/>
-              <a:t>Pictorial presentation of </a:t>
-            </a:r>
-            <a:r>
-              <a:rPr lang="en-US" dirty="0" err="1"/>
-              <a:t>liniking</a:t>
-            </a:r>
-            <a:r>
-              <a:rPr lang="en-US" dirty="0"/>
-              <a:t> 2 container		</a:t>
-            </a:r>
-          </a:p>
-        </p:txBody>
-      </p:sp>
-      <p:pic>
-        <p:nvPicPr>
-          <p:cNvPr id="5" name="Picture 4">
-            <a:extLst>
-              <a:ext uri="{FF2B5EF4-FFF2-40B4-BE49-F238E27FC236}">
-                <a16:creationId xmlns:a16="http://schemas.microsoft.com/office/drawing/2014/main" id="{D02FB967-E2F0-E4F6-C8F6-4CA80BE29367}"/>
-              </a:ext>
-            </a:extLst>
-          </p:cNvPr>
-          <p:cNvPicPr>
-            <a:picLocks noChangeAspect="1"/>
-          </p:cNvPicPr>
-          <p:nvPr/>
-        </p:nvPicPr>
-        <p:blipFill>
-          <a:blip r:embed="rId2"/>
-          <a:stretch>
-            <a:fillRect/>
-          </a:stretch>
-        </p:blipFill>
-        <p:spPr>
-          <a:xfrm>
-            <a:off x="783119" y="1842421"/>
-            <a:ext cx="10772569" cy="4465614"/>
-          </a:xfrm>
-          <a:prstGeom prst="rect">
-            <a:avLst/>
-          </a:prstGeom>
-        </p:spPr>
-      </p:pic>
-    </p:spTree>
-    <p:extLst>
-      <p:ext uri="{BB962C8B-B14F-4D97-AF65-F5344CB8AC3E}">
-        <p14:creationId xmlns:p14="http://schemas.microsoft.com/office/powerpoint/2010/main" val="1376460414"/>
-      </p:ext>
-    </p:extLst>
-  </p:cSld>
-  <p:clrMapOvr>
-    <a:masterClrMapping/>
-  </p:clrMapOvr>
-</p:sld>
-</file>
-
 <file path=ppt/slides/slide2.xml><?xml version="1.0" encoding="utf-8"?>
 <p:sld xmlns:a="http://schemas.openxmlformats.org/drawingml/2006/main" xmlns:r="http://schemas.openxmlformats.org/officeDocument/2006/relationships" xmlns:p="http://schemas.openxmlformats.org/presentationml/2006/main">
   <p:cSld>
